--- a/day1/project_description.pptx
+++ b/day1/project_description.pptx
@@ -4,6 +4,9 @@
   <p:sldMasterIdLst>
     <p:sldMasterId id="2147483660" r:id="rId1"/>
   </p:sldMasterIdLst>
+  <p:notesMasterIdLst>
+    <p:notesMasterId r:id="rId6"/>
+  </p:notesMasterIdLst>
   <p:sldIdLst>
     <p:sldId id="256" r:id="rId2"/>
     <p:sldId id="257" r:id="rId3"/>
@@ -130,6 +133,355 @@
 <p1510:revInfo xmlns:a="http://schemas.openxmlformats.org/drawingml/2006/main" xmlns:r="http://schemas.openxmlformats.org/officeDocument/2006/relationships" xmlns:p1510="http://schemas.microsoft.com/office/powerpoint/2015/10/main"/>
 </file>
 
+<file path=ppt/notesMasters/notesMaster1.xml><?xml version="1.0" encoding="utf-8"?>
+<p:notesMaster xmlns:a="http://schemas.openxmlformats.org/drawingml/2006/main" xmlns:r="http://schemas.openxmlformats.org/officeDocument/2006/relationships" xmlns:p="http://schemas.openxmlformats.org/presentationml/2006/main">
+  <p:cSld>
+    <p:bg>
+      <p:bgRef idx="1001">
+        <a:schemeClr val="bg1"/>
+      </p:bgRef>
+    </p:bg>
+    <p:spTree>
+      <p:nvGrpSpPr>
+        <p:cNvPr id="1" name=""/>
+        <p:cNvGrpSpPr/>
+        <p:nvPr/>
+      </p:nvGrpSpPr>
+      <p:grpSpPr>
+        <a:xfrm>
+          <a:off x="0" y="0"/>
+          <a:ext cx="0" cy="0"/>
+          <a:chOff x="0" y="0"/>
+          <a:chExt cx="0" cy="0"/>
+        </a:xfrm>
+      </p:grpSpPr>
+      <p:sp>
+        <p:nvSpPr>
+          <p:cNvPr id="2" name="Header Placeholder 1"/>
+          <p:cNvSpPr>
+            <a:spLocks noGrp="1"/>
+          </p:cNvSpPr>
+          <p:nvPr>
+            <p:ph type="hdr" sz="quarter"/>
+          </p:nvPr>
+        </p:nvSpPr>
+        <p:spPr>
+          <a:xfrm>
+            <a:off x="0" y="0"/>
+            <a:ext cx="2971800" cy="458788"/>
+          </a:xfrm>
+          <a:prstGeom prst="rect">
+            <a:avLst/>
+          </a:prstGeom>
+        </p:spPr>
+        <p:txBody>
+          <a:bodyPr vert="horz" lIns="91440" tIns="45720" rIns="91440" bIns="45720" rtlCol="0"/>
+          <a:lstStyle>
+            <a:lvl1pPr algn="l">
+              <a:defRPr sz="1200"/>
+            </a:lvl1pPr>
+          </a:lstStyle>
+          <a:p>
+            <a:endParaRPr lang="en-US"/>
+          </a:p>
+        </p:txBody>
+      </p:sp>
+      <p:sp>
+        <p:nvSpPr>
+          <p:cNvPr id="3" name="Date Placeholder 2"/>
+          <p:cNvSpPr>
+            <a:spLocks noGrp="1"/>
+          </p:cNvSpPr>
+          <p:nvPr>
+            <p:ph type="dt" idx="1"/>
+          </p:nvPr>
+        </p:nvSpPr>
+        <p:spPr>
+          <a:xfrm>
+            <a:off x="3884613" y="0"/>
+            <a:ext cx="2971800" cy="458788"/>
+          </a:xfrm>
+          <a:prstGeom prst="rect">
+            <a:avLst/>
+          </a:prstGeom>
+        </p:spPr>
+        <p:txBody>
+          <a:bodyPr vert="horz" lIns="91440" tIns="45720" rIns="91440" bIns="45720" rtlCol="0"/>
+          <a:lstStyle>
+            <a:lvl1pPr algn="r">
+              <a:defRPr sz="1200"/>
+            </a:lvl1pPr>
+          </a:lstStyle>
+          <a:p>
+            <a:fld id="{BA37A87E-936F-4EA3-BD0B-2E5672005778}" type="datetimeFigureOut">
+              <a:rPr lang="en-US" smtClean="0"/>
+              <a:t>1/14/2018</a:t>
+            </a:fld>
+            <a:endParaRPr lang="en-US"/>
+          </a:p>
+        </p:txBody>
+      </p:sp>
+      <p:sp>
+        <p:nvSpPr>
+          <p:cNvPr id="4" name="Slide Image Placeholder 3"/>
+          <p:cNvSpPr>
+            <a:spLocks noGrp="1" noRot="1" noChangeAspect="1"/>
+          </p:cNvSpPr>
+          <p:nvPr>
+            <p:ph type="sldImg" idx="2"/>
+          </p:nvPr>
+        </p:nvSpPr>
+        <p:spPr>
+          <a:xfrm>
+            <a:off x="1371600" y="1143000"/>
+            <a:ext cx="4114800" cy="3086100"/>
+          </a:xfrm>
+          <a:prstGeom prst="rect">
+            <a:avLst/>
+          </a:prstGeom>
+          <a:noFill/>
+          <a:ln w="12700">
+            <a:solidFill>
+              <a:prstClr val="black"/>
+            </a:solidFill>
+          </a:ln>
+        </p:spPr>
+        <p:txBody>
+          <a:bodyPr vert="horz" lIns="91440" tIns="45720" rIns="91440" bIns="45720" rtlCol="0" anchor="ctr"/>
+          <a:lstStyle/>
+          <a:p>
+            <a:endParaRPr lang="en-US"/>
+          </a:p>
+        </p:txBody>
+      </p:sp>
+      <p:sp>
+        <p:nvSpPr>
+          <p:cNvPr id="5" name="Notes Placeholder 4"/>
+          <p:cNvSpPr>
+            <a:spLocks noGrp="1"/>
+          </p:cNvSpPr>
+          <p:nvPr>
+            <p:ph type="body" sz="quarter" idx="3"/>
+          </p:nvPr>
+        </p:nvSpPr>
+        <p:spPr>
+          <a:xfrm>
+            <a:off x="685800" y="4400550"/>
+            <a:ext cx="5486400" cy="3600450"/>
+          </a:xfrm>
+          <a:prstGeom prst="rect">
+            <a:avLst/>
+          </a:prstGeom>
+        </p:spPr>
+        <p:txBody>
+          <a:bodyPr vert="horz" lIns="91440" tIns="45720" rIns="91440" bIns="45720" rtlCol="0"/>
+          <a:lstStyle/>
+          <a:p>
+            <a:pPr lvl="0"/>
+            <a:r>
+              <a:rPr lang="en-US"/>
+              <a:t>Edit Master text styles</a:t>
+            </a:r>
+          </a:p>
+          <a:p>
+            <a:pPr lvl="1"/>
+            <a:r>
+              <a:rPr lang="en-US"/>
+              <a:t>Second level</a:t>
+            </a:r>
+          </a:p>
+          <a:p>
+            <a:pPr lvl="2"/>
+            <a:r>
+              <a:rPr lang="en-US"/>
+              <a:t>Third level</a:t>
+            </a:r>
+          </a:p>
+          <a:p>
+            <a:pPr lvl="3"/>
+            <a:r>
+              <a:rPr lang="en-US"/>
+              <a:t>Fourth level</a:t>
+            </a:r>
+          </a:p>
+          <a:p>
+            <a:pPr lvl="4"/>
+            <a:r>
+              <a:rPr lang="en-US"/>
+              <a:t>Fifth level</a:t>
+            </a:r>
+          </a:p>
+        </p:txBody>
+      </p:sp>
+      <p:sp>
+        <p:nvSpPr>
+          <p:cNvPr id="6" name="Footer Placeholder 5"/>
+          <p:cNvSpPr>
+            <a:spLocks noGrp="1"/>
+          </p:cNvSpPr>
+          <p:nvPr>
+            <p:ph type="ftr" sz="quarter" idx="4"/>
+          </p:nvPr>
+        </p:nvSpPr>
+        <p:spPr>
+          <a:xfrm>
+            <a:off x="0" y="8685213"/>
+            <a:ext cx="2971800" cy="458787"/>
+          </a:xfrm>
+          <a:prstGeom prst="rect">
+            <a:avLst/>
+          </a:prstGeom>
+        </p:spPr>
+        <p:txBody>
+          <a:bodyPr vert="horz" lIns="91440" tIns="45720" rIns="91440" bIns="45720" rtlCol="0" anchor="b"/>
+          <a:lstStyle>
+            <a:lvl1pPr algn="l">
+              <a:defRPr sz="1200"/>
+            </a:lvl1pPr>
+          </a:lstStyle>
+          <a:p>
+            <a:endParaRPr lang="en-US"/>
+          </a:p>
+        </p:txBody>
+      </p:sp>
+      <p:sp>
+        <p:nvSpPr>
+          <p:cNvPr id="7" name="Slide Number Placeholder 6"/>
+          <p:cNvSpPr>
+            <a:spLocks noGrp="1"/>
+          </p:cNvSpPr>
+          <p:nvPr>
+            <p:ph type="sldNum" sz="quarter" idx="5"/>
+          </p:nvPr>
+        </p:nvSpPr>
+        <p:spPr>
+          <a:xfrm>
+            <a:off x="3884613" y="8685213"/>
+            <a:ext cx="2971800" cy="458787"/>
+          </a:xfrm>
+          <a:prstGeom prst="rect">
+            <a:avLst/>
+          </a:prstGeom>
+        </p:spPr>
+        <p:txBody>
+          <a:bodyPr vert="horz" lIns="91440" tIns="45720" rIns="91440" bIns="45720" rtlCol="0" anchor="b"/>
+          <a:lstStyle>
+            <a:lvl1pPr algn="r">
+              <a:defRPr sz="1200"/>
+            </a:lvl1pPr>
+          </a:lstStyle>
+          <a:p>
+            <a:fld id="{0DAF5F6B-6F0C-4F27-A2D4-A92028411B5C}" type="slidenum">
+              <a:rPr lang="en-US" smtClean="0"/>
+              <a:t>‹#›</a:t>
+            </a:fld>
+            <a:endParaRPr lang="en-US"/>
+          </a:p>
+        </p:txBody>
+      </p:sp>
+    </p:spTree>
+    <p:extLst>
+      <p:ext uri="{BB962C8B-B14F-4D97-AF65-F5344CB8AC3E}">
+        <p14:creationId xmlns:p14="http://schemas.microsoft.com/office/powerpoint/2010/main" val="6379197"/>
+      </p:ext>
+    </p:extLst>
+  </p:cSld>
+  <p:clrMap bg1="lt1" tx1="dk1" bg2="lt2" tx2="dk2" accent1="accent1" accent2="accent2" accent3="accent3" accent4="accent4" accent5="accent5" accent6="accent6" hlink="hlink" folHlink="folHlink"/>
+  <p:notesStyle>
+    <a:lvl1pPr marL="0" algn="l" defTabSz="914400" rtl="0" eaLnBrk="1" latinLnBrk="0" hangingPunct="1">
+      <a:defRPr sz="1200" kern="1200">
+        <a:solidFill>
+          <a:schemeClr val="tx1"/>
+        </a:solidFill>
+        <a:latin typeface="+mn-lt"/>
+        <a:ea typeface="+mn-ea"/>
+        <a:cs typeface="+mn-cs"/>
+      </a:defRPr>
+    </a:lvl1pPr>
+    <a:lvl2pPr marL="457200" algn="l" defTabSz="914400" rtl="0" eaLnBrk="1" latinLnBrk="0" hangingPunct="1">
+      <a:defRPr sz="1200" kern="1200">
+        <a:solidFill>
+          <a:schemeClr val="tx1"/>
+        </a:solidFill>
+        <a:latin typeface="+mn-lt"/>
+        <a:ea typeface="+mn-ea"/>
+        <a:cs typeface="+mn-cs"/>
+      </a:defRPr>
+    </a:lvl2pPr>
+    <a:lvl3pPr marL="914400" algn="l" defTabSz="914400" rtl="0" eaLnBrk="1" latinLnBrk="0" hangingPunct="1">
+      <a:defRPr sz="1200" kern="1200">
+        <a:solidFill>
+          <a:schemeClr val="tx1"/>
+        </a:solidFill>
+        <a:latin typeface="+mn-lt"/>
+        <a:ea typeface="+mn-ea"/>
+        <a:cs typeface="+mn-cs"/>
+      </a:defRPr>
+    </a:lvl3pPr>
+    <a:lvl4pPr marL="1371600" algn="l" defTabSz="914400" rtl="0" eaLnBrk="1" latinLnBrk="0" hangingPunct="1">
+      <a:defRPr sz="1200" kern="1200">
+        <a:solidFill>
+          <a:schemeClr val="tx1"/>
+        </a:solidFill>
+        <a:latin typeface="+mn-lt"/>
+        <a:ea typeface="+mn-ea"/>
+        <a:cs typeface="+mn-cs"/>
+      </a:defRPr>
+    </a:lvl4pPr>
+    <a:lvl5pPr marL="1828800" algn="l" defTabSz="914400" rtl="0" eaLnBrk="1" latinLnBrk="0" hangingPunct="1">
+      <a:defRPr sz="1200" kern="1200">
+        <a:solidFill>
+          <a:schemeClr val="tx1"/>
+        </a:solidFill>
+        <a:latin typeface="+mn-lt"/>
+        <a:ea typeface="+mn-ea"/>
+        <a:cs typeface="+mn-cs"/>
+      </a:defRPr>
+    </a:lvl5pPr>
+    <a:lvl6pPr marL="2286000" algn="l" defTabSz="914400" rtl="0" eaLnBrk="1" latinLnBrk="0" hangingPunct="1">
+      <a:defRPr sz="1200" kern="1200">
+        <a:solidFill>
+          <a:schemeClr val="tx1"/>
+        </a:solidFill>
+        <a:latin typeface="+mn-lt"/>
+        <a:ea typeface="+mn-ea"/>
+        <a:cs typeface="+mn-cs"/>
+      </a:defRPr>
+    </a:lvl6pPr>
+    <a:lvl7pPr marL="2743200" algn="l" defTabSz="914400" rtl="0" eaLnBrk="1" latinLnBrk="0" hangingPunct="1">
+      <a:defRPr sz="1200" kern="1200">
+        <a:solidFill>
+          <a:schemeClr val="tx1"/>
+        </a:solidFill>
+        <a:latin typeface="+mn-lt"/>
+        <a:ea typeface="+mn-ea"/>
+        <a:cs typeface="+mn-cs"/>
+      </a:defRPr>
+    </a:lvl7pPr>
+    <a:lvl8pPr marL="3200400" algn="l" defTabSz="914400" rtl="0" eaLnBrk="1" latinLnBrk="0" hangingPunct="1">
+      <a:defRPr sz="1200" kern="1200">
+        <a:solidFill>
+          <a:schemeClr val="tx1"/>
+        </a:solidFill>
+        <a:latin typeface="+mn-lt"/>
+        <a:ea typeface="+mn-ea"/>
+        <a:cs typeface="+mn-cs"/>
+      </a:defRPr>
+    </a:lvl8pPr>
+    <a:lvl9pPr marL="3657600" algn="l" defTabSz="914400" rtl="0" eaLnBrk="1" latinLnBrk="0" hangingPunct="1">
+      <a:defRPr sz="1200" kern="1200">
+        <a:solidFill>
+          <a:schemeClr val="tx1"/>
+        </a:solidFill>
+        <a:latin typeface="+mn-lt"/>
+        <a:ea typeface="+mn-ea"/>
+        <a:cs typeface="+mn-cs"/>
+      </a:defRPr>
+    </a:lvl9pPr>
+  </p:notesStyle>
+</p:notesMaster>
+</file>
+
 <file path=ppt/slideLayouts/slideLayout1.xml><?xml version="1.0" encoding="utf-8"?>
 <p:sldLayout xmlns:a="http://schemas.openxmlformats.org/drawingml/2006/main" xmlns:r="http://schemas.openxmlformats.org/officeDocument/2006/relationships" xmlns:p="http://schemas.openxmlformats.org/presentationml/2006/main" showMasterSp="0" type="title" preserve="1">
   <p:cSld name="Title Slide">
@@ -212,7 +564,7 @@
           </a:ln>
           <a:extLst>
             <a:ext uri="{909E8E84-426E-40dd-AFC4-6F175D3DCCD1}">
-              <a14:hiddenFill xmlns:a14="http://schemas.microsoft.com/office/drawing/2010/main" xmlns="">
+              <a14:hiddenFill xmlns="" xmlns:a14="http://schemas.microsoft.com/office/drawing/2010/main">
                 <a:solidFill>
                   <a:srgbClr val="FFFFFF"/>
                 </a:solidFill>
@@ -255,7 +607,7 @@
           </a:ln>
           <a:extLst>
             <a:ext uri="{909E8E84-426E-40dd-AFC4-6F175D3DCCD1}">
-              <a14:hiddenFill xmlns:a14="http://schemas.microsoft.com/office/drawing/2010/main" xmlns="">
+              <a14:hiddenFill xmlns="" xmlns:a14="http://schemas.microsoft.com/office/drawing/2010/main">
                 <a:noFill/>
               </a14:hiddenFill>
             </a:ext>
@@ -352,9 +704,9 @@
             </a:lvl1pPr>
           </a:lstStyle>
           <a:p>
-            <a:fld id="{8BB8CA09-300B-364E-80EF-78018D8F3A80}" type="datetimeFigureOut">
+            <a:fld id="{BF72F582-C16A-45E3-BD81-E11B0D54F9E4}" type="datetime1">
               <a:rPr lang="en-US" smtClean="0"/>
-              <a:t>1/13/2018</a:t>
+              <a:t>1/14/2018</a:t>
             </a:fld>
             <a:endParaRPr lang="en-US"/>
           </a:p>
@@ -539,9 +891,9 @@
             </a:lvl1pPr>
           </a:lstStyle>
           <a:p>
-            <a:fld id="{8BB8CA09-300B-364E-80EF-78018D8F3A80}" type="datetimeFigureOut">
+            <a:fld id="{4966B73B-C8F8-4F0A-B4B7-E96A3A9344DC}" type="datetime1">
               <a:rPr lang="en-US" smtClean="0"/>
-              <a:t>1/13/2018</a:t>
+              <a:t>1/14/2018</a:t>
             </a:fld>
             <a:endParaRPr lang="en-US"/>
           </a:p>
@@ -735,9 +1087,9 @@
             </a:lvl1pPr>
           </a:lstStyle>
           <a:p>
-            <a:fld id="{8BB8CA09-300B-364E-80EF-78018D8F3A80}" type="datetimeFigureOut">
+            <a:fld id="{B965D6DD-DA63-4034-8E6E-B0A2E639E5F4}" type="datetime1">
               <a:rPr lang="en-US" smtClean="0"/>
-              <a:t>1/13/2018</a:t>
+              <a:t>1/14/2018</a:t>
             </a:fld>
             <a:endParaRPr lang="en-US"/>
           </a:p>
@@ -987,9 +1339,9 @@
             </a:lvl1pPr>
           </a:lstStyle>
           <a:p>
-            <a:fld id="{8BB8CA09-300B-364E-80EF-78018D8F3A80}" type="datetimeFigureOut">
+            <a:fld id="{71D8598D-8F79-4692-AAAD-85E785EF657F}" type="datetime1">
               <a:rPr lang="en-US" smtClean="0"/>
-              <a:t>1/13/2018</a:t>
+              <a:t>1/14/2018</a:t>
             </a:fld>
             <a:endParaRPr lang="en-US"/>
           </a:p>
@@ -1211,9 +1563,9 @@
             </a:lvl1pPr>
           </a:lstStyle>
           <a:p>
-            <a:fld id="{8BB8CA09-300B-364E-80EF-78018D8F3A80}" type="datetimeFigureOut">
+            <a:fld id="{A2A98422-756A-49D8-B06F-F016174FBC9D}" type="datetime1">
               <a:rPr lang="en-US" smtClean="0"/>
-              <a:t>1/13/2018</a:t>
+              <a:t>1/14/2018</a:t>
             </a:fld>
             <a:endParaRPr lang="en-US"/>
           </a:p>
@@ -1519,9 +1871,9 @@
             </a:lvl1pPr>
           </a:lstStyle>
           <a:p>
-            <a:fld id="{8BB8CA09-300B-364E-80EF-78018D8F3A80}" type="datetimeFigureOut">
+            <a:fld id="{279B6D3D-6B7A-4B9C-86A3-E4E43C8EA19E}" type="datetime1">
               <a:rPr lang="en-US" smtClean="0"/>
-              <a:t>1/13/2018</a:t>
+              <a:t>1/14/2018</a:t>
             </a:fld>
             <a:endParaRPr lang="en-US"/>
           </a:p>
@@ -1687,9 +2039,9 @@
             </a:lvl1pPr>
           </a:lstStyle>
           <a:p>
-            <a:fld id="{8BB8CA09-300B-364E-80EF-78018D8F3A80}" type="datetimeFigureOut">
+            <a:fld id="{CE641B3A-297E-47DF-BC7D-FD1C7A18CB9E}" type="datetime1">
               <a:rPr lang="en-US" smtClean="0"/>
-              <a:t>1/13/2018</a:t>
+              <a:t>1/14/2018</a:t>
             </a:fld>
             <a:endParaRPr lang="en-US"/>
           </a:p>
@@ -1999,9 +2351,9 @@
             </a:lvl1pPr>
           </a:lstStyle>
           <a:p>
-            <a:fld id="{8BB8CA09-300B-364E-80EF-78018D8F3A80}" type="datetimeFigureOut">
+            <a:fld id="{63BD70E9-973E-4965-B9D2-2FC566019480}" type="datetime1">
               <a:rPr lang="en-US" smtClean="0"/>
-              <a:t>1/13/2018</a:t>
+              <a:t>1/14/2018</a:t>
             </a:fld>
             <a:endParaRPr lang="en-US"/>
           </a:p>
@@ -2311,9 +2663,9 @@
             </a:lvl1pPr>
           </a:lstStyle>
           <a:p>
-            <a:fld id="{8BB8CA09-300B-364E-80EF-78018D8F3A80}" type="datetimeFigureOut">
+            <a:fld id="{58B47097-C3B7-4432-930E-C52DB5F1013A}" type="datetime1">
               <a:rPr lang="en-US" smtClean="0"/>
-              <a:t>1/13/2018</a:t>
+              <a:t>1/14/2018</a:t>
             </a:fld>
             <a:endParaRPr lang="en-US"/>
           </a:p>
@@ -2497,9 +2849,9 @@
             </a:lvl1pPr>
           </a:lstStyle>
           <a:p>
-            <a:fld id="{8BB8CA09-300B-364E-80EF-78018D8F3A80}" type="datetimeFigureOut">
+            <a:fld id="{E8C95706-7C91-4252-89CF-E906B7125F54}" type="datetime1">
               <a:rPr lang="en-US" smtClean="0"/>
-              <a:t>1/13/2018</a:t>
+              <a:t>1/14/2018</a:t>
             </a:fld>
             <a:endParaRPr lang="en-US"/>
           </a:p>
@@ -2706,9 +3058,9 @@
             </a:lvl1pPr>
           </a:lstStyle>
           <a:p>
-            <a:fld id="{8BB8CA09-300B-364E-80EF-78018D8F3A80}" type="datetimeFigureOut">
+            <a:fld id="{6D0ED48A-C664-4D0D-8066-BC877DB0D1CD}" type="datetime1">
               <a:rPr lang="en-US" smtClean="0"/>
-              <a:t>1/13/2018</a:t>
+              <a:t>1/14/2018</a:t>
             </a:fld>
             <a:endParaRPr lang="en-US"/>
           </a:p>
@@ -3009,9 +3361,9 @@
             </a:lvl1pPr>
           </a:lstStyle>
           <a:p>
-            <a:fld id="{8BB8CA09-300B-364E-80EF-78018D8F3A80}" type="datetimeFigureOut">
+            <a:fld id="{D0F4D811-9205-43FF-9EC6-DA91A0E5B6B5}" type="datetime1">
               <a:rPr lang="en-US" smtClean="0"/>
-              <a:t>1/13/2018</a:t>
+              <a:t>1/14/2018</a:t>
             </a:fld>
             <a:endParaRPr lang="en-US"/>
           </a:p>
@@ -3451,9 +3803,9 @@
             </a:lvl1pPr>
           </a:lstStyle>
           <a:p>
-            <a:fld id="{8BB8CA09-300B-364E-80EF-78018D8F3A80}" type="datetimeFigureOut">
+            <a:fld id="{236FF40E-E4D3-4983-A5E8-78CE8E3E6CEA}" type="datetime1">
               <a:rPr lang="en-US" smtClean="0"/>
-              <a:t>1/13/2018</a:t>
+              <a:t>1/14/2018</a:t>
             </a:fld>
             <a:endParaRPr lang="en-US"/>
           </a:p>
@@ -3586,9 +3938,9 @@
             </a:lvl1pPr>
           </a:lstStyle>
           <a:p>
-            <a:fld id="{8BB8CA09-300B-364E-80EF-78018D8F3A80}" type="datetimeFigureOut">
+            <a:fld id="{87545799-480A-4ADB-84DA-4445F0B6F91F}" type="datetime1">
               <a:rPr lang="en-US" smtClean="0"/>
-              <a:t>1/13/2018</a:t>
+              <a:t>1/14/2018</a:t>
             </a:fld>
             <a:endParaRPr lang="en-US"/>
           </a:p>
@@ -3699,9 +4051,9 @@
             </a:lvl1pPr>
           </a:lstStyle>
           <a:p>
-            <a:fld id="{8BB8CA09-300B-364E-80EF-78018D8F3A80}" type="datetimeFigureOut">
+            <a:fld id="{ACA62B20-F4DF-41EC-A938-37DC7612F54B}" type="datetime1">
               <a:rPr lang="en-US" smtClean="0"/>
-              <a:t>1/13/2018</a:t>
+              <a:t>1/14/2018</a:t>
             </a:fld>
             <a:endParaRPr lang="en-US"/>
           </a:p>
@@ -3992,9 +4344,9 @@
             </a:lvl1pPr>
           </a:lstStyle>
           <a:p>
-            <a:fld id="{8BB8CA09-300B-364E-80EF-78018D8F3A80}" type="datetimeFigureOut">
+            <a:fld id="{7483651A-B352-4B3F-82D9-FD6E638E4477}" type="datetime1">
               <a:rPr lang="en-US" smtClean="0"/>
-              <a:t>1/13/2018</a:t>
+              <a:t>1/14/2018</a:t>
             </a:fld>
             <a:endParaRPr lang="en-US"/>
           </a:p>
@@ -4266,9 +4618,9 @@
             </a:lvl1pPr>
           </a:lstStyle>
           <a:p>
-            <a:fld id="{8BB8CA09-300B-364E-80EF-78018D8F3A80}" type="datetimeFigureOut">
+            <a:fld id="{88CF645F-5DE2-4D67-BC75-FB79309F1ED7}" type="datetime1">
               <a:rPr lang="en-US" smtClean="0"/>
-              <a:t>1/13/2018</a:t>
+              <a:t>1/14/2018</a:t>
             </a:fld>
             <a:endParaRPr lang="en-US"/>
           </a:p>
@@ -4390,17 +4742,17 @@
           </a:ln>
           <a:extLst>
             <a:ext uri="{FAA26D3D-D897-4be2-8F04-BA451C77F1D7}">
-              <ma14:placeholderFlag xmlns:ma14="http://schemas.microsoft.com/office/mac/drawingml/2011/main" xmlns="" val="1"/>
+              <ma14:placeholderFlag xmlns="" xmlns:ma14="http://schemas.microsoft.com/office/mac/drawingml/2011/main" val="1"/>
             </a:ext>
             <a:ext uri="{909E8E84-426E-40dd-AFC4-6F175D3DCCD1}">
-              <a14:hiddenFill xmlns:a14="http://schemas.microsoft.com/office/drawing/2010/main" xmlns="">
+              <a14:hiddenFill xmlns="" xmlns:a14="http://schemas.microsoft.com/office/drawing/2010/main">
                 <a:solidFill>
                   <a:srgbClr val="FFFFFF"/>
                 </a:solidFill>
               </a14:hiddenFill>
             </a:ext>
             <a:ext uri="{91240B29-F687-4f45-9708-019B960494DF}">
-              <a14:hiddenLine xmlns:a14="http://schemas.microsoft.com/office/drawing/2010/main" xmlns="" w="9525">
+              <a14:hiddenLine xmlns="" xmlns:a14="http://schemas.microsoft.com/office/drawing/2010/main" w="9525">
                 <a:solidFill>
                   <a:srgbClr val="000000"/>
                 </a:solidFill>
@@ -4452,17 +4804,17 @@
           </a:ln>
           <a:extLst>
             <a:ext uri="{FAA26D3D-D897-4be2-8F04-BA451C77F1D7}">
-              <ma14:placeholderFlag xmlns:ma14="http://schemas.microsoft.com/office/mac/drawingml/2011/main" xmlns="" val="1"/>
+              <ma14:placeholderFlag xmlns="" xmlns:ma14="http://schemas.microsoft.com/office/mac/drawingml/2011/main" val="1"/>
             </a:ext>
             <a:ext uri="{909E8E84-426E-40dd-AFC4-6F175D3DCCD1}">
-              <a14:hiddenFill xmlns:a14="http://schemas.microsoft.com/office/drawing/2010/main" xmlns="">
+              <a14:hiddenFill xmlns="" xmlns:a14="http://schemas.microsoft.com/office/drawing/2010/main">
                 <a:solidFill>
                   <a:srgbClr val="FFFFFF"/>
                 </a:solidFill>
               </a14:hiddenFill>
             </a:ext>
             <a:ext uri="{91240B29-F687-4f45-9708-019B960494DF}">
-              <a14:hiddenLine xmlns:a14="http://schemas.microsoft.com/office/drawing/2010/main" xmlns="" w="9525">
+              <a14:hiddenLine xmlns="" xmlns:a14="http://schemas.microsoft.com/office/drawing/2010/main" w="9525">
                 <a:solidFill>
                   <a:srgbClr val="000000"/>
                 </a:solidFill>
@@ -4560,9 +4912,9 @@
             </a:lvl1pPr>
           </a:lstStyle>
           <a:p>
-            <a:fld id="{8BB8CA09-300B-364E-80EF-78018D8F3A80}" type="datetimeFigureOut">
+            <a:fld id="{D99BC85F-208F-4ACE-9FF9-E59DC3DE382E}" type="datetime1">
               <a:rPr lang="en-US" smtClean="0"/>
-              <a:t>1/13/2018</a:t>
+              <a:t>1/14/2018</a:t>
             </a:fld>
             <a:endParaRPr lang="en-US"/>
           </a:p>
@@ -4730,7 +5082,7 @@
           </a:ln>
           <a:extLst>
             <a:ext uri="{909E8E84-426E-40dd-AFC4-6F175D3DCCD1}">
-              <a14:hiddenFill xmlns:a14="http://schemas.microsoft.com/office/drawing/2010/main" xmlns="">
+              <a14:hiddenFill xmlns="" xmlns:a14="http://schemas.microsoft.com/office/drawing/2010/main">
                 <a:solidFill>
                   <a:srgbClr val="FFFFFF"/>
                 </a:solidFill>
@@ -4773,7 +5125,7 @@
           </a:ln>
           <a:extLst>
             <a:ext uri="{909E8E84-426E-40dd-AFC4-6F175D3DCCD1}">
-              <a14:hiddenFill xmlns:a14="http://schemas.microsoft.com/office/drawing/2010/main" xmlns="">
+              <a14:hiddenFill xmlns="" xmlns:a14="http://schemas.microsoft.com/office/drawing/2010/main">
                 <a:noFill/>
               </a14:hiddenFill>
             </a:ext>
@@ -4809,6 +5161,7 @@
     <p:sldLayoutId id="2147483676" r:id="rId16"/>
     <p:sldLayoutId id="2147483677" r:id="rId17"/>
   </p:sldLayoutIdLst>
+  <p:hf hdr="0" ftr="0" dt="0"/>
   <p:txStyles>
     <p:titleStyle>
       <a:lvl1pPr algn="l" rtl="0" eaLnBrk="1" fontAlgn="base" hangingPunct="1">
@@ -5303,17 +5656,17 @@
           </a:ln>
           <a:extLst>
             <a:ext uri="{FAA26D3D-D897-4be2-8F04-BA451C77F1D7}">
-              <ma14:placeholderFlag xmlns:ma14="http://schemas.microsoft.com/office/mac/drawingml/2011/main" xmlns="" val="1"/>
+              <ma14:placeholderFlag xmlns="" xmlns:ma14="http://schemas.microsoft.com/office/mac/drawingml/2011/main" val="1"/>
             </a:ext>
             <a:ext uri="{909E8E84-426E-40dd-AFC4-6F175D3DCCD1}">
-              <a14:hiddenFill xmlns:a14="http://schemas.microsoft.com/office/drawing/2010/main" xmlns="">
+              <a14:hiddenFill xmlns="" xmlns:a14="http://schemas.microsoft.com/office/drawing/2010/main">
                 <a:solidFill>
                   <a:srgbClr val="FFFFFF"/>
                 </a:solidFill>
               </a14:hiddenFill>
             </a:ext>
             <a:ext uri="{91240B29-F687-4f45-9708-019B960494DF}">
-              <a14:hiddenLine xmlns:a14="http://schemas.microsoft.com/office/drawing/2010/main" xmlns="" w="9525">
+              <a14:hiddenLine xmlns="" xmlns:a14="http://schemas.microsoft.com/office/drawing/2010/main" w="9525">
                 <a:solidFill>
                   <a:srgbClr val="000000"/>
                 </a:solidFill>
@@ -5552,6 +5905,35 @@
           </a:p>
         </p:txBody>
       </p:sp>
+      <p:sp>
+        <p:nvSpPr>
+          <p:cNvPr id="3" name="Slide Number Placeholder 2">
+            <a:extLst>
+              <a:ext uri="{FF2B5EF4-FFF2-40B4-BE49-F238E27FC236}">
+                <a16:creationId xmlns:a16="http://schemas.microsoft.com/office/drawing/2014/main" id="{68829FCC-21BE-4241-96E6-DDA6C1A0E171}"/>
+              </a:ext>
+            </a:extLst>
+          </p:cNvPr>
+          <p:cNvSpPr>
+            <a:spLocks noGrp="1"/>
+          </p:cNvSpPr>
+          <p:nvPr>
+            <p:ph type="sldNum" sz="quarter" idx="12"/>
+          </p:nvPr>
+        </p:nvSpPr>
+        <p:spPr/>
+        <p:txBody>
+          <a:bodyPr/>
+          <a:lstStyle/>
+          <a:p>
+            <a:fld id="{A90099C9-4CB8-9A40-B745-9AB270505907}" type="slidenum">
+              <a:rPr lang="en-US" smtClean="0"/>
+              <a:t>1</a:t>
+            </a:fld>
+            <a:endParaRPr lang="en-US"/>
+          </a:p>
+        </p:txBody>
+      </p:sp>
     </p:spTree>
     <p:extLst>
       <p:ext uri="{BB962C8B-B14F-4D97-AF65-F5344CB8AC3E}">
@@ -5684,6 +6066,35 @@
           </a:p>
         </p:txBody>
       </p:sp>
+      <p:sp>
+        <p:nvSpPr>
+          <p:cNvPr id="4" name="Slide Number Placeholder 3">
+            <a:extLst>
+              <a:ext uri="{FF2B5EF4-FFF2-40B4-BE49-F238E27FC236}">
+                <a16:creationId xmlns:a16="http://schemas.microsoft.com/office/drawing/2014/main" id="{A19B5CE1-9579-451A-9640-5F7F5438FE0B}"/>
+              </a:ext>
+            </a:extLst>
+          </p:cNvPr>
+          <p:cNvSpPr>
+            <a:spLocks noGrp="1"/>
+          </p:cNvSpPr>
+          <p:nvPr>
+            <p:ph type="sldNum" sz="quarter" idx="12"/>
+          </p:nvPr>
+        </p:nvSpPr>
+        <p:spPr/>
+        <p:txBody>
+          <a:bodyPr/>
+          <a:lstStyle/>
+          <a:p>
+            <a:fld id="{A90099C9-4CB8-9A40-B745-9AB270505907}" type="slidenum">
+              <a:rPr lang="en-US" smtClean="0"/>
+              <a:t>2</a:t>
+            </a:fld>
+            <a:endParaRPr lang="en-US"/>
+          </a:p>
+        </p:txBody>
+      </p:sp>
     </p:spTree>
     <p:extLst>
       <p:ext uri="{BB962C8B-B14F-4D97-AF65-F5344CB8AC3E}">
@@ -5828,6 +6239,35 @@
           </a:p>
         </p:txBody>
       </p:sp>
+      <p:sp>
+        <p:nvSpPr>
+          <p:cNvPr id="4" name="Slide Number Placeholder 3">
+            <a:extLst>
+              <a:ext uri="{FF2B5EF4-FFF2-40B4-BE49-F238E27FC236}">
+                <a16:creationId xmlns:a16="http://schemas.microsoft.com/office/drawing/2014/main" id="{317A4622-AD4E-4D71-B017-73F95DA8A205}"/>
+              </a:ext>
+            </a:extLst>
+          </p:cNvPr>
+          <p:cNvSpPr>
+            <a:spLocks noGrp="1"/>
+          </p:cNvSpPr>
+          <p:nvPr>
+            <p:ph type="sldNum" sz="quarter" idx="12"/>
+          </p:nvPr>
+        </p:nvSpPr>
+        <p:spPr/>
+        <p:txBody>
+          <a:bodyPr/>
+          <a:lstStyle/>
+          <a:p>
+            <a:fld id="{A90099C9-4CB8-9A40-B745-9AB270505907}" type="slidenum">
+              <a:rPr lang="en-US" smtClean="0"/>
+              <a:t>3</a:t>
+            </a:fld>
+            <a:endParaRPr lang="en-US"/>
+          </a:p>
+        </p:txBody>
+      </p:sp>
     </p:spTree>
     <p:extLst>
       <p:ext uri="{BB962C8B-B14F-4D97-AF65-F5344CB8AC3E}">
@@ -5954,6 +6394,35 @@
               <a:rPr lang="en-US" dirty="0"/>
               <a:t>Summarize results: ecological inference</a:t>
             </a:r>
+          </a:p>
+        </p:txBody>
+      </p:sp>
+      <p:sp>
+        <p:nvSpPr>
+          <p:cNvPr id="4" name="Slide Number Placeholder 3">
+            <a:extLst>
+              <a:ext uri="{FF2B5EF4-FFF2-40B4-BE49-F238E27FC236}">
+                <a16:creationId xmlns:a16="http://schemas.microsoft.com/office/drawing/2014/main" id="{293DB36E-BA8B-4AE7-A822-18AF7689F673}"/>
+              </a:ext>
+            </a:extLst>
+          </p:cNvPr>
+          <p:cNvSpPr>
+            <a:spLocks noGrp="1"/>
+          </p:cNvSpPr>
+          <p:nvPr>
+            <p:ph type="sldNum" sz="quarter" idx="12"/>
+          </p:nvPr>
+        </p:nvSpPr>
+        <p:spPr/>
+        <p:txBody>
+          <a:bodyPr/>
+          <a:lstStyle/>
+          <a:p>
+            <a:fld id="{A90099C9-4CB8-9A40-B745-9AB270505907}" type="slidenum">
+              <a:rPr lang="en-US" smtClean="0"/>
+              <a:t>4</a:t>
+            </a:fld>
+            <a:endParaRPr lang="en-US"/>
           </a:p>
         </p:txBody>
       </p:sp>
@@ -6563,4 +7032,299 @@
     </a:extraClrScheme>
   </a:extraClrSchemeLst>
 </a:theme>
+</file>
+
+<file path=ppt/theme/theme2.xml><?xml version="1.0" encoding="utf-8"?>
+<a:theme xmlns:a="http://schemas.openxmlformats.org/drawingml/2006/main" name="Office Theme">
+  <a:themeElements>
+    <a:clrScheme name="Office">
+      <a:dk1>
+        <a:sysClr val="windowText" lastClr="000000"/>
+      </a:dk1>
+      <a:lt1>
+        <a:sysClr val="window" lastClr="FFFFFF"/>
+      </a:lt1>
+      <a:dk2>
+        <a:srgbClr val="44546A"/>
+      </a:dk2>
+      <a:lt2>
+        <a:srgbClr val="E7E6E6"/>
+      </a:lt2>
+      <a:accent1>
+        <a:srgbClr val="4472C4"/>
+      </a:accent1>
+      <a:accent2>
+        <a:srgbClr val="ED7D31"/>
+      </a:accent2>
+      <a:accent3>
+        <a:srgbClr val="A5A5A5"/>
+      </a:accent3>
+      <a:accent4>
+        <a:srgbClr val="FFC000"/>
+      </a:accent4>
+      <a:accent5>
+        <a:srgbClr val="5B9BD5"/>
+      </a:accent5>
+      <a:accent6>
+        <a:srgbClr val="70AD47"/>
+      </a:accent6>
+      <a:hlink>
+        <a:srgbClr val="0563C1"/>
+      </a:hlink>
+      <a:folHlink>
+        <a:srgbClr val="954F72"/>
+      </a:folHlink>
+    </a:clrScheme>
+    <a:fontScheme name="Office">
+      <a:majorFont>
+        <a:latin typeface="Calibri Light" panose="020F0302020204030204"/>
+        <a:ea typeface=""/>
+        <a:cs typeface=""/>
+        <a:font script="Jpan" typeface="游ゴシック Light"/>
+        <a:font script="Hang" typeface="맑은 고딕"/>
+        <a:font script="Hans" typeface="等线 Light"/>
+        <a:font script="Hant" typeface="新細明體"/>
+        <a:font script="Arab" typeface="Times New Roman"/>
+        <a:font script="Hebr" typeface="Times New Roman"/>
+        <a:font script="Thai" typeface="Angsana New"/>
+        <a:font script="Ethi" typeface="Nyala"/>
+        <a:font script="Beng" typeface="Vrinda"/>
+        <a:font script="Gujr" typeface="Shruti"/>
+        <a:font script="Khmr" typeface="MoolBoran"/>
+        <a:font script="Knda" typeface="Tunga"/>
+        <a:font script="Guru" typeface="Raavi"/>
+        <a:font script="Cans" typeface="Euphemia"/>
+        <a:font script="Cher" typeface="Plantagenet Cherokee"/>
+        <a:font script="Yiii" typeface="Microsoft Yi Baiti"/>
+        <a:font script="Tibt" typeface="Microsoft Himalaya"/>
+        <a:font script="Thaa" typeface="MV Boli"/>
+        <a:font script="Deva" typeface="Mangal"/>
+        <a:font script="Telu" typeface="Gautami"/>
+        <a:font script="Taml" typeface="Latha"/>
+        <a:font script="Syrc" typeface="Estrangelo Edessa"/>
+        <a:font script="Orya" typeface="Kalinga"/>
+        <a:font script="Mlym" typeface="Kartika"/>
+        <a:font script="Laoo" typeface="DokChampa"/>
+        <a:font script="Sinh" typeface="Iskoola Pota"/>
+        <a:font script="Mong" typeface="Mongolian Baiti"/>
+        <a:font script="Viet" typeface="Times New Roman"/>
+        <a:font script="Uigh" typeface="Microsoft Uighur"/>
+        <a:font script="Geor" typeface="Sylfaen"/>
+        <a:font script="Armn" typeface="Arial"/>
+        <a:font script="Bugi" typeface="Leelawadee UI"/>
+        <a:font script="Bopo" typeface="Microsoft JhengHei"/>
+        <a:font script="Java" typeface="Javanese Text"/>
+        <a:font script="Lisu" typeface="Segoe UI"/>
+        <a:font script="Mymr" typeface="Myanmar Text"/>
+        <a:font script="Nkoo" typeface="Ebrima"/>
+        <a:font script="Olck" typeface="Nirmala UI"/>
+        <a:font script="Osma" typeface="Ebrima"/>
+        <a:font script="Phag" typeface="Phagspa"/>
+        <a:font script="Syrn" typeface="Estrangelo Edessa"/>
+        <a:font script="Syrj" typeface="Estrangelo Edessa"/>
+        <a:font script="Syre" typeface="Estrangelo Edessa"/>
+        <a:font script="Sora" typeface="Nirmala UI"/>
+        <a:font script="Tale" typeface="Microsoft Tai Le"/>
+        <a:font script="Talu" typeface="Microsoft New Tai Lue"/>
+        <a:font script="Tfng" typeface="Ebrima"/>
+      </a:majorFont>
+      <a:minorFont>
+        <a:latin typeface="Calibri" panose="020F0502020204030204"/>
+        <a:ea typeface=""/>
+        <a:cs typeface=""/>
+        <a:font script="Jpan" typeface="游ゴシック"/>
+        <a:font script="Hang" typeface="맑은 고딕"/>
+        <a:font script="Hans" typeface="等线"/>
+        <a:font script="Hant" typeface="新細明體"/>
+        <a:font script="Arab" typeface="Arial"/>
+        <a:font script="Hebr" typeface="Arial"/>
+        <a:font script="Thai" typeface="Cordia New"/>
+        <a:font script="Ethi" typeface="Nyala"/>
+        <a:font script="Beng" typeface="Vrinda"/>
+        <a:font script="Gujr" typeface="Shruti"/>
+        <a:font script="Khmr" typeface="DaunPenh"/>
+        <a:font script="Knda" typeface="Tunga"/>
+        <a:font script="Guru" typeface="Raavi"/>
+        <a:font script="Cans" typeface="Euphemia"/>
+        <a:font script="Cher" typeface="Plantagenet Cherokee"/>
+        <a:font script="Yiii" typeface="Microsoft Yi Baiti"/>
+        <a:font script="Tibt" typeface="Microsoft Himalaya"/>
+        <a:font script="Thaa" typeface="MV Boli"/>
+        <a:font script="Deva" typeface="Mangal"/>
+        <a:font script="Telu" typeface="Gautami"/>
+        <a:font script="Taml" typeface="Latha"/>
+        <a:font script="Syrc" typeface="Estrangelo Edessa"/>
+        <a:font script="Orya" typeface="Kalinga"/>
+        <a:font script="Mlym" typeface="Kartika"/>
+        <a:font script="Laoo" typeface="DokChampa"/>
+        <a:font script="Sinh" typeface="Iskoola Pota"/>
+        <a:font script="Mong" typeface="Mongolian Baiti"/>
+        <a:font script="Viet" typeface="Arial"/>
+        <a:font script="Uigh" typeface="Microsoft Uighur"/>
+        <a:font script="Geor" typeface="Sylfaen"/>
+        <a:font script="Armn" typeface="Arial"/>
+        <a:font script="Bugi" typeface="Leelawadee UI"/>
+        <a:font script="Bopo" typeface="Microsoft JhengHei"/>
+        <a:font script="Java" typeface="Javanese Text"/>
+        <a:font script="Lisu" typeface="Segoe UI"/>
+        <a:font script="Mymr" typeface="Myanmar Text"/>
+        <a:font script="Nkoo" typeface="Ebrima"/>
+        <a:font script="Olck" typeface="Nirmala UI"/>
+        <a:font script="Osma" typeface="Ebrima"/>
+        <a:font script="Phag" typeface="Phagspa"/>
+        <a:font script="Syrn" typeface="Estrangelo Edessa"/>
+        <a:font script="Syrj" typeface="Estrangelo Edessa"/>
+        <a:font script="Syre" typeface="Estrangelo Edessa"/>
+        <a:font script="Sora" typeface="Nirmala UI"/>
+        <a:font script="Tale" typeface="Microsoft Tai Le"/>
+        <a:font script="Talu" typeface="Microsoft New Tai Lue"/>
+        <a:font script="Tfng" typeface="Ebrima"/>
+      </a:minorFont>
+    </a:fontScheme>
+    <a:fmtScheme name="Office">
+      <a:fillStyleLst>
+        <a:solidFill>
+          <a:schemeClr val="phClr"/>
+        </a:solidFill>
+        <a:gradFill rotWithShape="1">
+          <a:gsLst>
+            <a:gs pos="0">
+              <a:schemeClr val="phClr">
+                <a:lumMod val="110000"/>
+                <a:satMod val="105000"/>
+                <a:tint val="67000"/>
+              </a:schemeClr>
+            </a:gs>
+            <a:gs pos="50000">
+              <a:schemeClr val="phClr">
+                <a:lumMod val="105000"/>
+                <a:satMod val="103000"/>
+                <a:tint val="73000"/>
+              </a:schemeClr>
+            </a:gs>
+            <a:gs pos="100000">
+              <a:schemeClr val="phClr">
+                <a:lumMod val="105000"/>
+                <a:satMod val="109000"/>
+                <a:tint val="81000"/>
+              </a:schemeClr>
+            </a:gs>
+          </a:gsLst>
+          <a:lin ang="5400000" scaled="0"/>
+        </a:gradFill>
+        <a:gradFill rotWithShape="1">
+          <a:gsLst>
+            <a:gs pos="0">
+              <a:schemeClr val="phClr">
+                <a:satMod val="103000"/>
+                <a:lumMod val="102000"/>
+                <a:tint val="94000"/>
+              </a:schemeClr>
+            </a:gs>
+            <a:gs pos="50000">
+              <a:schemeClr val="phClr">
+                <a:satMod val="110000"/>
+                <a:lumMod val="100000"/>
+                <a:shade val="100000"/>
+              </a:schemeClr>
+            </a:gs>
+            <a:gs pos="100000">
+              <a:schemeClr val="phClr">
+                <a:lumMod val="99000"/>
+                <a:satMod val="120000"/>
+                <a:shade val="78000"/>
+              </a:schemeClr>
+            </a:gs>
+          </a:gsLst>
+          <a:lin ang="5400000" scaled="0"/>
+        </a:gradFill>
+      </a:fillStyleLst>
+      <a:lnStyleLst>
+        <a:ln w="6350" cap="flat" cmpd="sng" algn="ctr">
+          <a:solidFill>
+            <a:schemeClr val="phClr"/>
+          </a:solidFill>
+          <a:prstDash val="solid"/>
+          <a:miter lim="800000"/>
+        </a:ln>
+        <a:ln w="12700" cap="flat" cmpd="sng" algn="ctr">
+          <a:solidFill>
+            <a:schemeClr val="phClr"/>
+          </a:solidFill>
+          <a:prstDash val="solid"/>
+          <a:miter lim="800000"/>
+        </a:ln>
+        <a:ln w="19050" cap="flat" cmpd="sng" algn="ctr">
+          <a:solidFill>
+            <a:schemeClr val="phClr"/>
+          </a:solidFill>
+          <a:prstDash val="solid"/>
+          <a:miter lim="800000"/>
+        </a:ln>
+      </a:lnStyleLst>
+      <a:effectStyleLst>
+        <a:effectStyle>
+          <a:effectLst/>
+        </a:effectStyle>
+        <a:effectStyle>
+          <a:effectLst/>
+        </a:effectStyle>
+        <a:effectStyle>
+          <a:effectLst>
+            <a:outerShdw blurRad="57150" dist="19050" dir="5400000" algn="ctr" rotWithShape="0">
+              <a:srgbClr val="000000">
+                <a:alpha val="63000"/>
+              </a:srgbClr>
+            </a:outerShdw>
+          </a:effectLst>
+        </a:effectStyle>
+      </a:effectStyleLst>
+      <a:bgFillStyleLst>
+        <a:solidFill>
+          <a:schemeClr val="phClr"/>
+        </a:solidFill>
+        <a:solidFill>
+          <a:schemeClr val="phClr">
+            <a:tint val="95000"/>
+            <a:satMod val="170000"/>
+          </a:schemeClr>
+        </a:solidFill>
+        <a:gradFill rotWithShape="1">
+          <a:gsLst>
+            <a:gs pos="0">
+              <a:schemeClr val="phClr">
+                <a:tint val="93000"/>
+                <a:satMod val="150000"/>
+                <a:shade val="98000"/>
+                <a:lumMod val="102000"/>
+              </a:schemeClr>
+            </a:gs>
+            <a:gs pos="50000">
+              <a:schemeClr val="phClr">
+                <a:tint val="98000"/>
+                <a:satMod val="130000"/>
+                <a:shade val="90000"/>
+                <a:lumMod val="103000"/>
+              </a:schemeClr>
+            </a:gs>
+            <a:gs pos="100000">
+              <a:schemeClr val="phClr">
+                <a:shade val="63000"/>
+                <a:satMod val="120000"/>
+              </a:schemeClr>
+            </a:gs>
+          </a:gsLst>
+          <a:lin ang="5400000" scaled="0"/>
+        </a:gradFill>
+      </a:bgFillStyleLst>
+    </a:fmtScheme>
+  </a:themeElements>
+  <a:objectDefaults/>
+  <a:extraClrSchemeLst/>
+  <a:extLst>
+    <a:ext uri="{05A4C25C-085E-4340-85A3-A5531E510DB2}">
+      <thm15:themeFamily xmlns:thm15="http://schemas.microsoft.com/office/thememl/2012/main" name="Office Theme" id="{62F939B6-93AF-4DB8-9C6B-D6C7DFDC589F}" vid="{4A3C46E8-61CC-4603-A589-7422A47A8E4A}"/>
+    </a:ext>
+  </a:extLst>
+</a:theme>
 </file>